--- a/Force_centrale/Force_centrale.pptx
+++ b/Force_centrale/Force_centrale.pptx
@@ -312,7 +312,7 @@
             <a:fld id="{1E700B27-DE4C-4B9E-BB11-B9027034A00F}" type="datetimeFigureOut">
               <a:rPr lang="en-US" smtClean="0"/>
               <a:pPr/>
-              <a:t>4/16/2020</a:t>
+              <a:t>6/21/2020</a:t>
             </a:fld>
             <a:endParaRPr lang="en-US" dirty="0"/>
           </a:p>
@@ -539,7 +539,7 @@
           <a:p>
             <a:fld id="{80DBE609-F3F2-45E6-BD6A-E03A8C86C1AE}" type="datetimeFigureOut">
               <a:rPr lang="en-US" smtClean="0"/>
-              <a:t>4/16/2020</a:t>
+              <a:t>6/21/2020</a:t>
             </a:fld>
             <a:endParaRPr lang="en-US" dirty="0"/>
           </a:p>
@@ -725,7 +725,7 @@
           <a:p>
             <a:fld id="{7A24AD68-089C-4467-A8F3-EA2BBCA6B44E}" type="datetimeFigureOut">
               <a:rPr lang="en-US" smtClean="0"/>
-              <a:t>4/16/2020</a:t>
+              <a:t>6/21/2020</a:t>
             </a:fld>
             <a:endParaRPr lang="en-US" dirty="0"/>
           </a:p>
@@ -901,7 +901,7 @@
           <a:p>
             <a:fld id="{75C51FCE-E4BB-4680-8E50-3C0E348D2609}" type="datetimeFigureOut">
               <a:rPr lang="en-US" smtClean="0"/>
-              <a:t>4/16/2020</a:t>
+              <a:t>6/21/2020</a:t>
             </a:fld>
             <a:endParaRPr lang="en-US" dirty="0"/>
           </a:p>
@@ -1158,7 +1158,7 @@
           <a:p>
             <a:fld id="{8AAA073D-A903-47F8-8D16-77642FB0DF1F}" type="datetimeFigureOut">
               <a:rPr lang="en-US" smtClean="0"/>
-              <a:t>4/16/2020</a:t>
+              <a:t>6/21/2020</a:t>
             </a:fld>
             <a:endParaRPr lang="en-US" dirty="0"/>
           </a:p>
@@ -1487,7 +1487,7 @@
           <a:p>
             <a:fld id="{AB91FA40-626B-4CA1-85D0-7A9016E395BA}" type="datetimeFigureOut">
               <a:rPr lang="en-US" smtClean="0"/>
-              <a:t>4/16/2020</a:t>
+              <a:t>6/21/2020</a:t>
             </a:fld>
             <a:endParaRPr lang="en-US" dirty="0"/>
           </a:p>
@@ -1917,7 +1917,7 @@
           <a:p>
             <a:fld id="{C3F425EA-B9DC-48A7-991E-9A82573B1B21}" type="datetimeFigureOut">
               <a:rPr lang="en-US" smtClean="0"/>
-              <a:t>4/16/2020</a:t>
+              <a:t>6/21/2020</a:t>
             </a:fld>
             <a:endParaRPr lang="en-US" dirty="0"/>
           </a:p>
@@ -2041,7 +2041,7 @@
           <a:p>
             <a:fld id="{66CB97F8-6CEB-469B-AFCC-889F2A2B1D5A}" type="datetimeFigureOut">
               <a:rPr lang="en-US" smtClean="0"/>
-              <a:t>4/16/2020</a:t>
+              <a:t>6/21/2020</a:t>
             </a:fld>
             <a:endParaRPr lang="en-US" dirty="0"/>
           </a:p>
@@ -2142,7 +2142,7 @@
           <a:p>
             <a:fld id="{8FA9179F-009E-4FA5-B091-7EBB82A185BD}" type="datetimeFigureOut">
               <a:rPr lang="en-US" smtClean="0"/>
-              <a:t>4/16/2020</a:t>
+              <a:t>6/21/2020</a:t>
             </a:fld>
             <a:endParaRPr lang="en-US" dirty="0"/>
           </a:p>
@@ -2438,7 +2438,7 @@
           <a:p>
             <a:fld id="{8E665CEB-0076-4E37-B880-BCEA9784DE0A}" type="datetimeFigureOut">
               <a:rPr lang="en-US" smtClean="0"/>
-              <a:t>4/16/2020</a:t>
+              <a:t>6/21/2020</a:t>
             </a:fld>
             <a:endParaRPr lang="en-US" dirty="0"/>
           </a:p>
@@ -2716,7 +2716,7 @@
           <a:p>
             <a:fld id="{A6149E5E-3896-4118-99A7-7B85668F1C5E}" type="datetimeFigureOut">
               <a:rPr lang="en-US" smtClean="0"/>
-              <a:t>4/16/2020</a:t>
+              <a:t>6/21/2020</a:t>
             </a:fld>
             <a:endParaRPr lang="en-US" dirty="0"/>
           </a:p>
@@ -2971,7 +2971,7 @@
           <a:p>
             <a:fld id="{7E0D914D-B099-4142-A885-11F276715148}" type="datetimeFigureOut">
               <a:rPr lang="en-US" smtClean="0"/>
-              <a:t>4/16/2020</a:t>
+              <a:t>6/21/2020</a:t>
             </a:fld>
             <a:endParaRPr lang="en-US" dirty="0"/>
           </a:p>
@@ -3456,7 +3456,11 @@
           <a:p>
             <a:r>
               <a:rPr lang="en-US" dirty="0" smtClean="0"/>
-              <a:t>LC23</a:t>
+              <a:t>Force </a:t>
+            </a:r>
+            <a:r>
+              <a:rPr lang="en-US" dirty="0" err="1" smtClean="0"/>
+              <a:t>centrale</a:t>
             </a:r>
             <a:endParaRPr lang="en-US" dirty="0"/>
           </a:p>
@@ -3477,22 +3481,6 @@
           <a:bodyPr/>
           <a:lstStyle/>
           <a:p>
-            <a:r>
-              <a:rPr lang="en-US" dirty="0" err="1" smtClean="0"/>
-              <a:t>Diagrammes</a:t>
-            </a:r>
-            <a:r>
-              <a:rPr lang="en-US" dirty="0" smtClean="0"/>
-              <a:t> </a:t>
-            </a:r>
-            <a:r>
-              <a:rPr lang="en-US" dirty="0" err="1" smtClean="0"/>
-              <a:t>potentiel</a:t>
-            </a:r>
-            <a:r>
-              <a:rPr lang="en-US" dirty="0" smtClean="0"/>
-              <a:t>-pH</a:t>
-            </a:r>
             <a:endParaRPr lang="en-US" dirty="0"/>
           </a:p>
         </p:txBody>
@@ -3562,8 +3550,8 @@
           </a:p>
         </p:txBody>
       </p:sp>
-      <mc:AlternateContent xmlns:mc="http://schemas.openxmlformats.org/markup-compatibility/2006">
-        <mc:Choice xmlns:a14="http://schemas.microsoft.com/office/drawing/2010/main" Requires="a14">
+      <mc:AlternateContent xmlns:mc="http://schemas.openxmlformats.org/markup-compatibility/2006" xmlns:a14="http://schemas.microsoft.com/office/drawing/2010/main">
+        <mc:Choice Requires="a14">
           <p:sp>
             <p:nvSpPr>
               <p:cNvPr id="14" name="Content Placeholder 3"/>
@@ -3927,7 +3915,7 @@
             </p:txBody>
           </p:sp>
         </mc:Choice>
-        <mc:Fallback>
+        <mc:Fallback xmlns="">
           <p:sp>
             <p:nvSpPr>
               <p:cNvPr id="14" name="Content Placeholder 3"/>
@@ -4344,8 +4332,8 @@
           </a:p>
         </p:txBody>
       </p:sp>
-      <mc:AlternateContent xmlns:mc="http://schemas.openxmlformats.org/markup-compatibility/2006">
-        <mc:Choice xmlns:a14="http://schemas.microsoft.com/office/drawing/2010/main" Requires="a14">
+      <mc:AlternateContent xmlns:mc="http://schemas.openxmlformats.org/markup-compatibility/2006" xmlns:a14="http://schemas.microsoft.com/office/drawing/2010/main">
+        <mc:Choice Requires="a14">
           <p:graphicFrame>
             <p:nvGraphicFramePr>
               <p:cNvPr id="14" name="Content Placeholder 13"/>
@@ -5175,10 +5163,6 @@
                             </a:rPr>
                             <a:t>)</a:t>
                           </a:r>
-                          <a:endParaRPr lang="en-US" sz="1700" dirty="0" smtClean="0">
-                            <a:latin typeface="Arial" panose="020B0604020202020204" pitchFamily="34" charset="0"/>
-                            <a:cs typeface="Arial" panose="020B0604020202020204" pitchFamily="34" charset="0"/>
-                          </a:endParaRPr>
                         </a:p>
                       </a:txBody>
                       <a:tcPr anchor="ctr"/>
@@ -5357,7 +5341,7 @@
             </a:graphic>
           </p:graphicFrame>
         </mc:Choice>
-        <mc:Fallback>
+        <mc:Fallback xmlns="">
           <p:graphicFrame>
             <p:nvGraphicFramePr>
               <p:cNvPr id="14" name="Content Placeholder 13"/>
